--- a/ER-Modell.pptx
+++ b/ER-Modell.pptx
@@ -104,6 +104,11 @@
       </a:defRPr>
     </a:lvl9pPr>
   </p:defaultTextStyle>
+  <p:extLst>
+    <p:ext uri="{EFAFB233-063F-42B5-8137-9DF3F51BA10A}">
+      <p15:sldGuideLst xmlns:p15="http://schemas.microsoft.com/office/powerpoint/2012/main"/>
+    </p:ext>
+  </p:extLst>
 </p:presentation>
 </file>
 
@@ -256,7 +261,7 @@
           <a:p>
             <a:fld id="{D2F92095-8902-47BB-AF7F-E9FCC7333799}" type="datetimeFigureOut">
               <a:rPr lang="de-IT" smtClean="0"/>
-              <a:t>29.03.2021</a:t>
+              <a:t>07.04.2021</a:t>
             </a:fld>
             <a:endParaRPr lang="de-IT"/>
           </a:p>
@@ -456,7 +461,7 @@
           <a:p>
             <a:fld id="{D2F92095-8902-47BB-AF7F-E9FCC7333799}" type="datetimeFigureOut">
               <a:rPr lang="de-IT" smtClean="0"/>
-              <a:t>29.03.2021</a:t>
+              <a:t>07.04.2021</a:t>
             </a:fld>
             <a:endParaRPr lang="de-IT"/>
           </a:p>
@@ -666,7 +671,7 @@
           <a:p>
             <a:fld id="{D2F92095-8902-47BB-AF7F-E9FCC7333799}" type="datetimeFigureOut">
               <a:rPr lang="de-IT" smtClean="0"/>
-              <a:t>29.03.2021</a:t>
+              <a:t>07.04.2021</a:t>
             </a:fld>
             <a:endParaRPr lang="de-IT"/>
           </a:p>
@@ -866,7 +871,7 @@
           <a:p>
             <a:fld id="{D2F92095-8902-47BB-AF7F-E9FCC7333799}" type="datetimeFigureOut">
               <a:rPr lang="de-IT" smtClean="0"/>
-              <a:t>29.03.2021</a:t>
+              <a:t>07.04.2021</a:t>
             </a:fld>
             <a:endParaRPr lang="de-IT"/>
           </a:p>
@@ -1142,7 +1147,7 @@
           <a:p>
             <a:fld id="{D2F92095-8902-47BB-AF7F-E9FCC7333799}" type="datetimeFigureOut">
               <a:rPr lang="de-IT" smtClean="0"/>
-              <a:t>29.03.2021</a:t>
+              <a:t>07.04.2021</a:t>
             </a:fld>
             <a:endParaRPr lang="de-IT"/>
           </a:p>
@@ -1410,7 +1415,7 @@
           <a:p>
             <a:fld id="{D2F92095-8902-47BB-AF7F-E9FCC7333799}" type="datetimeFigureOut">
               <a:rPr lang="de-IT" smtClean="0"/>
-              <a:t>29.03.2021</a:t>
+              <a:t>07.04.2021</a:t>
             </a:fld>
             <a:endParaRPr lang="de-IT"/>
           </a:p>
@@ -1825,7 +1830,7 @@
           <a:p>
             <a:fld id="{D2F92095-8902-47BB-AF7F-E9FCC7333799}" type="datetimeFigureOut">
               <a:rPr lang="de-IT" smtClean="0"/>
-              <a:t>29.03.2021</a:t>
+              <a:t>07.04.2021</a:t>
             </a:fld>
             <a:endParaRPr lang="de-IT"/>
           </a:p>
@@ -1967,7 +1972,7 @@
           <a:p>
             <a:fld id="{D2F92095-8902-47BB-AF7F-E9FCC7333799}" type="datetimeFigureOut">
               <a:rPr lang="de-IT" smtClean="0"/>
-              <a:t>29.03.2021</a:t>
+              <a:t>07.04.2021</a:t>
             </a:fld>
             <a:endParaRPr lang="de-IT"/>
           </a:p>
@@ -2080,7 +2085,7 @@
           <a:p>
             <a:fld id="{D2F92095-8902-47BB-AF7F-E9FCC7333799}" type="datetimeFigureOut">
               <a:rPr lang="de-IT" smtClean="0"/>
-              <a:t>29.03.2021</a:t>
+              <a:t>07.04.2021</a:t>
             </a:fld>
             <a:endParaRPr lang="de-IT"/>
           </a:p>
@@ -2393,7 +2398,7 @@
           <a:p>
             <a:fld id="{D2F92095-8902-47BB-AF7F-E9FCC7333799}" type="datetimeFigureOut">
               <a:rPr lang="de-IT" smtClean="0"/>
-              <a:t>29.03.2021</a:t>
+              <a:t>07.04.2021</a:t>
             </a:fld>
             <a:endParaRPr lang="de-IT"/>
           </a:p>
@@ -2682,7 +2687,7 @@
           <a:p>
             <a:fld id="{D2F92095-8902-47BB-AF7F-E9FCC7333799}" type="datetimeFigureOut">
               <a:rPr lang="de-IT" smtClean="0"/>
-              <a:t>29.03.2021</a:t>
+              <a:t>07.04.2021</a:t>
             </a:fld>
             <a:endParaRPr lang="de-IT"/>
           </a:p>
@@ -2925,7 +2930,7 @@
           <a:p>
             <a:fld id="{D2F92095-8902-47BB-AF7F-E9FCC7333799}" type="datetimeFigureOut">
               <a:rPr lang="de-IT" smtClean="0"/>
-              <a:t>29.03.2021</a:t>
+              <a:t>07.04.2021</a:t>
             </a:fld>
             <a:endParaRPr lang="de-IT"/>
           </a:p>
@@ -3406,7 +3411,7 @@
         </p:nvSpPr>
         <p:spPr>
           <a:xfrm>
-            <a:off x="1182848" y="260060"/>
+            <a:off x="1103152" y="270546"/>
             <a:ext cx="570451" cy="394282"/>
           </a:xfrm>
           <a:prstGeom prst="ellipse">
@@ -3435,10 +3440,10 @@
           <a:p>
             <a:pPr algn="ctr"/>
             <a:r>
-              <a:rPr lang="de-DE" dirty="0"/>
+              <a:rPr lang="de-DE" u="sng" dirty="0"/>
               <a:t>ID</a:t>
             </a:r>
-            <a:endParaRPr lang="de-IT" dirty="0"/>
+            <a:endParaRPr lang="de-IT" u="sng" dirty="0"/>
           </a:p>
         </p:txBody>
       </p:sp>
@@ -3838,8 +3843,8 @@
         </p:nvCxnSpPr>
         <p:spPr>
           <a:xfrm>
-            <a:off x="1669758" y="596601"/>
-            <a:ext cx="972774" cy="569469"/>
+            <a:off x="1590062" y="607087"/>
+            <a:ext cx="1052470" cy="558983"/>
           </a:xfrm>
           <a:prstGeom prst="line">
             <a:avLst/>
@@ -4307,10 +4312,10 @@
           <a:p>
             <a:pPr algn="ctr"/>
             <a:r>
-              <a:rPr lang="de-DE" dirty="0"/>
+              <a:rPr lang="de-DE" u="sng" dirty="0"/>
               <a:t>Bestellungs-ID</a:t>
             </a:r>
-            <a:endParaRPr lang="de-IT" dirty="0"/>
+            <a:endParaRPr lang="de-IT" u="sng" dirty="0"/>
           </a:p>
         </p:txBody>
       </p:sp>
@@ -4334,95 +4339,6 @@
           <a:xfrm flipH="1">
             <a:off x="8725950" y="811012"/>
             <a:ext cx="108358" cy="401197"/>
-          </a:xfrm>
-          <a:prstGeom prst="line">
-            <a:avLst/>
-          </a:prstGeom>
-        </p:spPr>
-        <p:style>
-          <a:lnRef idx="1">
-            <a:schemeClr val="accent1"/>
-          </a:lnRef>
-          <a:fillRef idx="0">
-            <a:schemeClr val="accent1"/>
-          </a:fillRef>
-          <a:effectRef idx="0">
-            <a:schemeClr val="accent1"/>
-          </a:effectRef>
-          <a:fontRef idx="minor">
-            <a:schemeClr val="tx1"/>
-          </a:fontRef>
-        </p:style>
-      </p:cxnSp>
-      <p:sp>
-        <p:nvSpPr>
-          <p:cNvPr id="38" name="Ellipse 37">
-            <a:extLst>
-              <a:ext uri="{FF2B5EF4-FFF2-40B4-BE49-F238E27FC236}">
-                <a16:creationId xmlns:a16="http://schemas.microsoft.com/office/drawing/2014/main" id="{BC79792F-6731-4E1B-B6FB-E0D09E92CB13}"/>
-              </a:ext>
-            </a:extLst>
-          </p:cNvPr>
-          <p:cNvSpPr/>
-          <p:nvPr/>
-        </p:nvSpPr>
-        <p:spPr>
-          <a:xfrm>
-            <a:off x="5782112" y="588213"/>
-            <a:ext cx="1187044" cy="524310"/>
-          </a:xfrm>
-          <a:prstGeom prst="ellipse">
-            <a:avLst/>
-          </a:prstGeom>
-        </p:spPr>
-        <p:style>
-          <a:lnRef idx="2">
-            <a:schemeClr val="accent1">
-              <a:shade val="50000"/>
-            </a:schemeClr>
-          </a:lnRef>
-          <a:fillRef idx="1">
-            <a:schemeClr val="accent1"/>
-          </a:fillRef>
-          <a:effectRef idx="0">
-            <a:schemeClr val="accent1"/>
-          </a:effectRef>
-          <a:fontRef idx="minor">
-            <a:schemeClr val="lt1"/>
-          </a:fontRef>
-        </p:style>
-        <p:txBody>
-          <a:bodyPr rtlCol="0" anchor="ctr"/>
-          <a:lstStyle/>
-          <a:p>
-            <a:pPr algn="ctr"/>
-            <a:r>
-              <a:rPr lang="de-DE" dirty="0"/>
-              <a:t>Menge</a:t>
-            </a:r>
-            <a:endParaRPr lang="de-IT" dirty="0"/>
-          </a:p>
-        </p:txBody>
-      </p:sp>
-      <p:cxnSp>
-        <p:nvCxnSpPr>
-          <p:cNvPr id="40" name="Gerader Verbinder 39">
-            <a:extLst>
-              <a:ext uri="{FF2B5EF4-FFF2-40B4-BE49-F238E27FC236}">
-                <a16:creationId xmlns:a16="http://schemas.microsoft.com/office/drawing/2014/main" id="{5A1C9D35-3A18-4929-BC0E-F43123AD5DDC}"/>
-              </a:ext>
-            </a:extLst>
-          </p:cNvPr>
-          <p:cNvCxnSpPr>
-            <a:stCxn id="38" idx="4"/>
-            <a:endCxn id="26" idx="0"/>
-          </p:cNvCxnSpPr>
-          <p:nvPr/>
-        </p:nvCxnSpPr>
-        <p:spPr>
-          <a:xfrm flipH="1">
-            <a:off x="5782112" y="1112523"/>
-            <a:ext cx="593522" cy="124853"/>
           </a:xfrm>
           <a:prstGeom prst="line">
             <a:avLst/>
@@ -4664,10 +4580,10 @@
           <a:p>
             <a:pPr algn="ctr"/>
             <a:r>
-              <a:rPr lang="de-DE" dirty="0"/>
+              <a:rPr lang="de-DE" u="sng" dirty="0"/>
               <a:t>Benutzer-ID</a:t>
             </a:r>
-            <a:endParaRPr lang="de-IT" dirty="0"/>
+            <a:endParaRPr lang="de-IT" u="sng" dirty="0"/>
           </a:p>
         </p:txBody>
       </p:sp>
